--- a/class 10/2.Ethics in IT/2. Presentation/Ethics 2.pptx
+++ b/class 10/2.Ethics in IT/2. Presentation/Ethics 2.pptx
@@ -7,13 +7,12 @@
   <p:sldIdLst>
     <p:sldId id="256" r:id="rId3"/>
     <p:sldId id="277" r:id="rId4"/>
-    <p:sldId id="299" r:id="rId5"/>
-    <p:sldId id="300" r:id="rId6"/>
-    <p:sldId id="301" r:id="rId7"/>
-    <p:sldId id="302" r:id="rId8"/>
-    <p:sldId id="304" r:id="rId9"/>
-    <p:sldId id="305" r:id="rId10"/>
-    <p:sldId id="283" r:id="rId11"/>
+    <p:sldId id="305" r:id="rId5"/>
+    <p:sldId id="307" r:id="rId6"/>
+    <p:sldId id="308" r:id="rId7"/>
+    <p:sldId id="309" r:id="rId8"/>
+    <p:sldId id="310" r:id="rId9"/>
+    <p:sldId id="283" r:id="rId10"/>
   </p:sldIdLst>
   <p:sldSz cx="12192000" cy="6858000"/>
   <p:notesSz cx="7103745" cy="10234295"/>
@@ -3191,8 +3190,8 @@
         </p:nvSpPr>
         <p:spPr>
           <a:xfrm>
-            <a:off x="3672205" y="4229100"/>
-            <a:ext cx="3183890" cy="1568450"/>
+            <a:off x="5133975" y="3872230"/>
+            <a:ext cx="2884170" cy="1568450"/>
           </a:xfrm>
           <a:prstGeom prst="rect">
             <a:avLst/>
@@ -3219,24 +3218,7 @@
                 <a:latin typeface="Purisa" panose="02000603000000000000" charset="0"/>
                 <a:cs typeface="Purisa" panose="02000603000000000000" charset="0"/>
               </a:rPr>
-              <a:t>Class I</a:t>
-            </a:r>
-            <a:r>
-              <a:rPr lang="" altLang="en-US" sz="4800" b="1">
-                <a:solidFill>
-                  <a:schemeClr val="tx1"/>
-                </a:solidFill>
-                <a:effectLst>
-                  <a:outerShdw blurRad="38100" dist="19050" dir="2700000" algn="tl" rotWithShape="0">
-                    <a:schemeClr val="dk1">
-                      <a:alpha val="40000"/>
-                    </a:schemeClr>
-                  </a:outerShdw>
-                </a:effectLst>
-                <a:latin typeface="Purisa" panose="02000603000000000000" charset="0"/>
-                <a:cs typeface="Purisa" panose="02000603000000000000" charset="0"/>
-              </a:rPr>
-              <a:t>X</a:t>
+              <a:t>Class X</a:t>
             </a:r>
             <a:endParaRPr lang="en-US" altLang="en-US" sz="4800" b="1">
               <a:solidFill>
@@ -3597,7 +3579,7 @@
                 <a:latin typeface="Uroob" panose="00000800000000000000" charset="0"/>
                 <a:cs typeface="Uroob" panose="00000800000000000000" charset="0"/>
               </a:rPr>
-              <a:t>Footprinting </a:t>
+              <a:t> Password Hacking</a:t>
             </a:r>
             <a:endParaRPr lang="en-US" altLang="en-US" sz="8000">
               <a:solidFill>
@@ -3609,16 +3591,24 @@
           </a:p>
         </p:txBody>
       </p:sp>
-      <p:sp>
-        <p:nvSpPr>
-          <p:cNvPr id="100" name="Text Box 99"/>
-          <p:cNvSpPr txBox="1"/>
+      <p:pic>
+        <p:nvPicPr>
+          <p:cNvPr id="2" name="Picture 2" descr="IMG_256"/>
+          <p:cNvPicPr>
+            <a:picLocks noChangeAspect="1"/>
+          </p:cNvPicPr>
           <p:nvPr/>
-        </p:nvSpPr>
-        <p:spPr>
-          <a:xfrm>
-            <a:off x="6568440" y="2863850"/>
-            <a:ext cx="5565775" cy="2061210"/>
+        </p:nvPicPr>
+        <p:blipFill>
+          <a:blip r:embed="rId4"/>
+          <a:stretch>
+            <a:fillRect/>
+          </a:stretch>
+        </p:blipFill>
+        <p:spPr>
+          <a:xfrm>
+            <a:off x="6818630" y="1851025"/>
+            <a:ext cx="3965575" cy="3965575"/>
           </a:xfrm>
           <a:prstGeom prst="rect">
             <a:avLst/>
@@ -3628,69 +3618,36 @@
             <a:noFill/>
           </a:ln>
         </p:spPr>
-        <p:txBody>
-          <a:bodyPr wrap="square">
-            <a:spAutoFit/>
-          </a:bodyPr>
-          <a:p>
-            <a:pPr marL="0" indent="0"/>
-            <a:r>
-              <a:rPr lang="en-US" sz="3200" b="0">
-                <a:latin typeface="Calibri" charset="0"/>
-                <a:cs typeface="SimSun" charset="0"/>
-              </a:rPr>
-              <a:t>Footprinting  is used for gathering possible information about a target </a:t>
-            </a:r>
-            <a:endParaRPr lang="en-US" sz="3200" b="0">
-              <a:latin typeface="Calibri" charset="0"/>
-              <a:cs typeface="SimSun" charset="0"/>
-            </a:endParaRPr>
-          </a:p>
-        </p:txBody>
-      </p:sp>
-      <p:pic>
-        <p:nvPicPr>
-          <p:cNvPr id="3" name="Picture 7" descr="IMG_256"/>
-          <p:cNvPicPr>
-            <a:picLocks noChangeAspect="1"/>
-          </p:cNvPicPr>
+      </p:pic>
+      <p:sp>
+        <p:nvSpPr>
+          <p:cNvPr id="4" name="Text Box 3"/>
+          <p:cNvSpPr txBox="1"/>
           <p:nvPr/>
-        </p:nvPicPr>
-        <p:blipFill>
-          <a:blip r:embed="rId4">
-            <a:clrChange>
-              <a:clrFrom>
-                <a:srgbClr val="FDFFFE">
-                  <a:alpha val="100000"/>
-                </a:srgbClr>
-              </a:clrFrom>
-              <a:clrTo>
-                <a:srgbClr val="FDFFFE">
-                  <a:alpha val="100000"/>
-                  <a:alpha val="0"/>
-                </a:srgbClr>
-              </a:clrTo>
-            </a:clrChange>
-            <a:lum bright="-6000"/>
-          </a:blip>
-          <a:stretch>
-            <a:fillRect/>
-          </a:stretch>
-        </p:blipFill>
-        <p:spPr>
-          <a:xfrm>
-            <a:off x="1374140" y="2140585"/>
-            <a:ext cx="5400040" cy="3987800"/>
+        </p:nvSpPr>
+        <p:spPr>
+          <a:xfrm>
+            <a:off x="750570" y="2223770"/>
+            <a:ext cx="4464050" cy="2676525"/>
           </a:xfrm>
           <a:prstGeom prst="rect">
             <a:avLst/>
           </a:prstGeom>
           <a:noFill/>
-          <a:ln w="9525">
-            <a:noFill/>
-          </a:ln>
-        </p:spPr>
-      </p:pic>
+        </p:spPr>
+        <p:txBody>
+          <a:bodyPr wrap="square" rtlCol="0" anchor="t">
+            <a:spAutoFit/>
+          </a:bodyPr>
+          <a:p>
+            <a:r>
+              <a:rPr lang="en-US" sz="2400"/>
+              <a:t>Password hacking, sometimes referred to as password cracking, is a method of recovering passwords from data transmitted by or stored on a computer</a:t>
+            </a:r>
+            <a:endParaRPr lang="en-US" sz="2400"/>
+          </a:p>
+        </p:txBody>
+      </p:sp>
     </p:spTree>
   </p:cSld>
   <p:clrMapOvr>
@@ -3976,7 +3933,7 @@
                 <a:latin typeface="Uroob" panose="00000800000000000000" charset="0"/>
                 <a:cs typeface="Uroob" panose="00000800000000000000" charset="0"/>
               </a:rPr>
-              <a:t>Collecting Information</a:t>
+              <a:t>Strong Password Contains</a:t>
             </a:r>
             <a:endParaRPr lang="" altLang="en-US" sz="8000">
               <a:solidFill>
@@ -3988,9 +3945,156 @@
           </a:p>
         </p:txBody>
       </p:sp>
+      <p:sp>
+        <p:nvSpPr>
+          <p:cNvPr id="100" name="Text Box 99"/>
+          <p:cNvSpPr txBox="1"/>
+          <p:nvPr/>
+        </p:nvSpPr>
+        <p:spPr>
+          <a:xfrm>
+            <a:off x="781685" y="2666365"/>
+            <a:ext cx="7022465" cy="3107690"/>
+          </a:xfrm>
+          <a:prstGeom prst="rect">
+            <a:avLst/>
+          </a:prstGeom>
+          <a:noFill/>
+          <a:ln w="9525">
+            <a:noFill/>
+          </a:ln>
+        </p:spPr>
+        <p:txBody>
+          <a:bodyPr wrap="square">
+            <a:spAutoFit/>
+          </a:bodyPr>
+          <a:p>
+            <a:pPr marL="266700" indent="-266700" algn="l"/>
+            <a:r>
+              <a:rPr lang="en-US" sz="2800">
+                <a:solidFill>
+                  <a:srgbClr val="1E1C11"/>
+                </a:solidFill>
+                <a:latin typeface="Calibri" charset="0"/>
+                <a:cs typeface="SimSun" charset="0"/>
+              </a:rPr>
+              <a:t>   </a:t>
+            </a:r>
+            <a:r>
+              <a:rPr lang="" altLang="en-US" sz="2800">
+                <a:solidFill>
+                  <a:srgbClr val="1E1C11"/>
+                </a:solidFill>
+                <a:latin typeface="Calibri" charset="0"/>
+                <a:cs typeface="SimSun" charset="0"/>
+              </a:rPr>
+              <a:t>A</a:t>
+            </a:r>
+            <a:r>
+              <a:rPr lang="en-US" sz="2800">
+                <a:solidFill>
+                  <a:srgbClr val="1E1C11"/>
+                </a:solidFill>
+                <a:latin typeface="Calibri" charset="0"/>
+                <a:cs typeface="SimSun" charset="0"/>
+              </a:rPr>
+              <a:t>t least 8 characters</a:t>
+            </a:r>
+            <a:endParaRPr lang="en-US" sz="2800">
+              <a:solidFill>
+                <a:srgbClr val="1E1C11"/>
+              </a:solidFill>
+              <a:latin typeface="Calibri" charset="0"/>
+              <a:cs typeface="SimSun" charset="0"/>
+            </a:endParaRPr>
+          </a:p>
+          <a:p>
+            <a:pPr marL="266700" indent="-266700" algn="l"/>
+            <a:r>
+              <a:rPr lang="en-US" sz="2800">
+                <a:solidFill>
+                  <a:srgbClr val="1E1C11"/>
+                </a:solidFill>
+                <a:latin typeface="Wingdings" charset="0"/>
+                <a:cs typeface="SimSun" charset="0"/>
+              </a:rPr>
+              <a:t>+ </a:t>
+            </a:r>
+            <a:r>
+              <a:rPr lang="en-US" sz="2800">
+                <a:solidFill>
+                  <a:srgbClr val="1E1C11"/>
+                </a:solidFill>
+                <a:latin typeface="Calibri" charset="0"/>
+                <a:cs typeface="SimSun" charset="0"/>
+              </a:rPr>
+              <a:t>A mix of letters, numbers, and specia</a:t>
+            </a:r>
+            <a:r>
+              <a:rPr lang="" altLang="en-US" sz="2800">
+                <a:solidFill>
+                  <a:srgbClr val="1E1C11"/>
+                </a:solidFill>
+                <a:latin typeface="Calibri" charset="0"/>
+                <a:cs typeface="SimSun" charset="0"/>
+              </a:rPr>
+              <a:t>l</a:t>
+            </a:r>
+            <a:r>
+              <a:rPr lang="en-US" sz="2800">
+                <a:solidFill>
+                  <a:srgbClr val="1E1C11"/>
+                </a:solidFill>
+                <a:latin typeface="Calibri" charset="0"/>
+                <a:cs typeface="SimSun" charset="0"/>
+              </a:rPr>
+              <a:t> characters</a:t>
+            </a:r>
+            <a:endParaRPr lang="en-US" sz="2800">
+              <a:solidFill>
+                <a:srgbClr val="1E1C11"/>
+              </a:solidFill>
+              <a:latin typeface="Calibri" charset="0"/>
+              <a:cs typeface="SimSun" charset="0"/>
+            </a:endParaRPr>
+          </a:p>
+          <a:p>
+            <a:pPr marL="266700" indent="-266700" algn="l"/>
+            <a:r>
+              <a:rPr lang="en-US" sz="2800">
+                <a:solidFill>
+                  <a:srgbClr val="1E1C11"/>
+                </a:solidFill>
+                <a:latin typeface="Wingdings" charset="0"/>
+                <a:cs typeface="SimSun" charset="0"/>
+              </a:rPr>
+              <a:t>+</a:t>
+            </a:r>
+            <a:r>
+              <a:rPr lang="en-US" sz="2800">
+                <a:solidFill>
+                  <a:srgbClr val="1E1C11"/>
+                </a:solidFill>
+                <a:latin typeface="Calibri" charset="0"/>
+                <a:cs typeface="SimSun" charset="0"/>
+              </a:rPr>
+              <a:t>A combination of small and capital letters</a:t>
+            </a:r>
+            <a:endParaRPr lang="en-US" sz="2800">
+              <a:solidFill>
+                <a:srgbClr val="1E1C11"/>
+              </a:solidFill>
+              <a:latin typeface="Calibri" charset="0"/>
+              <a:cs typeface="SimSun" charset="0"/>
+            </a:endParaRPr>
+          </a:p>
+        </p:txBody>
+      </p:sp>
       <p:pic>
         <p:nvPicPr>
-          <p:cNvPr id="2" name="Picture 8" descr="IMG_256"/>
+          <p:cNvPr id="2" name="Picture 3" descr="IMG_256"/>
           <p:cNvPicPr>
             <a:picLocks noChangeAspect="1"/>
           </p:cNvPicPr>
@@ -4019,8 +4123,8 @@
         </p:blipFill>
         <p:spPr>
           <a:xfrm>
-            <a:off x="2205990" y="1984375"/>
-            <a:ext cx="7644765" cy="4027805"/>
+            <a:off x="6987540" y="1984375"/>
+            <a:ext cx="4572000" cy="1828800"/>
           </a:xfrm>
           <a:prstGeom prst="rect">
             <a:avLst/>
@@ -4309,16 +4413,16 @@
           </a:bodyPr>
           <a:p>
             <a:r>
-              <a:rPr lang="" altLang="en-US" sz="8000">
+              <a:rPr lang="en-US" altLang="en-US" sz="8000">
                 <a:solidFill>
                   <a:srgbClr val="C6790C"/>
                 </a:solidFill>
                 <a:latin typeface="Uroob" panose="00000800000000000000" charset="0"/>
                 <a:cs typeface="Uroob" panose="00000800000000000000" charset="0"/>
               </a:rPr>
-              <a:t>Results from Footprinting</a:t>
-            </a:r>
-            <a:endParaRPr lang="" altLang="en-US" sz="8000">
+              <a:t>Dictionary Attack</a:t>
+            </a:r>
+            <a:endParaRPr lang="en-US" altLang="en-US" sz="8000">
               <a:solidFill>
                 <a:srgbClr val="C6790C"/>
               </a:solidFill>
@@ -4328,16 +4432,38 @@
           </a:p>
         </p:txBody>
       </p:sp>
-      <p:sp>
-        <p:nvSpPr>
-          <p:cNvPr id="100" name="Text Box 99"/>
-          <p:cNvSpPr txBox="1"/>
+      <p:pic>
+        <p:nvPicPr>
+          <p:cNvPr id="7" name="Picture 5" descr="IMG_256"/>
+          <p:cNvPicPr>
+            <a:picLocks noChangeAspect="1"/>
+          </p:cNvPicPr>
           <p:nvPr/>
-        </p:nvSpPr>
-        <p:spPr>
-          <a:xfrm>
-            <a:off x="3662680" y="2238375"/>
-            <a:ext cx="5080000" cy="3107690"/>
+        </p:nvPicPr>
+        <p:blipFill>
+          <a:blip r:embed="rId4">
+            <a:clrChange>
+              <a:clrFrom>
+                <a:srgbClr val="F9F8F6">
+                  <a:alpha val="100000"/>
+                </a:srgbClr>
+              </a:clrFrom>
+              <a:clrTo>
+                <a:srgbClr val="F9F8F6">
+                  <a:alpha val="100000"/>
+                  <a:alpha val="0"/>
+                </a:srgbClr>
+              </a:clrTo>
+            </a:clrChange>
+          </a:blip>
+          <a:stretch>
+            <a:fillRect/>
+          </a:stretch>
+        </p:blipFill>
+        <p:spPr>
+          <a:xfrm>
+            <a:off x="5781675" y="1984375"/>
+            <a:ext cx="6236335" cy="3743960"/>
           </a:xfrm>
           <a:prstGeom prst="rect">
             <a:avLst/>
@@ -4347,84 +4473,43 @@
             <a:noFill/>
           </a:ln>
         </p:spPr>
-        <p:txBody>
-          <a:bodyPr wrap="square">
+      </p:pic>
+      <p:sp>
+        <p:nvSpPr>
+          <p:cNvPr id="3" name="Text Box 2"/>
+          <p:cNvSpPr txBox="1"/>
+          <p:nvPr/>
+        </p:nvSpPr>
+        <p:spPr>
+          <a:xfrm>
+            <a:off x="989330" y="2837815"/>
+            <a:ext cx="5080000" cy="2245360"/>
+          </a:xfrm>
+          <a:prstGeom prst="rect">
+            <a:avLst/>
+          </a:prstGeom>
+          <a:noFill/>
+          <a:ln w="9525">
+            <a:noFill/>
+          </a:ln>
+        </p:spPr>
+        <p:txBody>
+          <a:bodyPr>
             <a:spAutoFit/>
           </a:bodyPr>
           <a:p>
-            <a:pPr indent="0" algn="just">
-              <a:buFont typeface="+mj-lt"/>
-              <a:buNone/>
-            </a:pPr>
-            <a:r>
-              <a:rPr lang="" altLang="en-US" sz="2800"/>
-              <a:t>- </a:t>
-            </a:r>
-            <a:r>
-              <a:rPr lang="en-US" sz="2800"/>
-              <a:t>Domain name-</a:t>
-            </a:r>
-            <a:r>
-              <a:rPr lang="" altLang="en-US" sz="2800"/>
-              <a:t>- </a:t>
-            </a:r>
-            <a:r>
-              <a:rPr lang="en-US" sz="2800"/>
-              <a:t>IP Addresses-</a:t>
-            </a:r>
-            <a:r>
-              <a:rPr lang="" altLang="en-US" sz="2800"/>
-              <a:t>- </a:t>
-            </a:r>
-            <a:r>
-              <a:rPr lang="en-US" sz="2800"/>
-              <a:t>Namespaces-</a:t>
-            </a:r>
-            <a:r>
-              <a:rPr lang="" altLang="en-US" sz="2800"/>
-              <a:t>- </a:t>
-            </a:r>
-            <a:r>
-              <a:rPr lang="en-US" sz="2800"/>
-              <a:t>Employee information-</a:t>
-            </a:r>
-            <a:r>
-              <a:rPr lang="" altLang="en-US" sz="2800"/>
-              <a:t>- </a:t>
-            </a:r>
-            <a:r>
-              <a:rPr lang="en-US" sz="2800"/>
-              <a:t>Phone numbers-</a:t>
-            </a:r>
-            <a:r>
-              <a:rPr lang="" altLang="en-US" sz="2800"/>
-              <a:t>- </a:t>
-            </a:r>
-            <a:r>
-              <a:rPr lang="en-US" sz="2800"/>
-              <a:t>E-mails</a:t>
-            </a:r>
-            <a:endParaRPr lang="en-US" sz="2800"/>
-          </a:p>
-          <a:p>
-            <a:pPr indent="0" algn="just">
-              <a:buFont typeface="+mj-lt"/>
-              <a:buNone/>
-            </a:pPr>
-            <a:r>
-              <a:rPr lang="" altLang="en-US" sz="2800"/>
-              <a:t>- J</a:t>
-            </a:r>
-            <a:r>
-              <a:rPr lang="en-US" sz="2800"/>
-              <a:t>ob Information</a:t>
-            </a:r>
-            <a:endParaRPr lang="en-US" sz="2800"/>
+            <a:pPr marL="0" indent="0"/>
+            <a:r>
+              <a:rPr lang="en-US" sz="2800" b="0">
+                <a:latin typeface="Calibri" charset="0"/>
+                <a:cs typeface="SimSun" charset="0"/>
+              </a:rPr>
+              <a:t>In a dictionary attack, the hacker uses a predefined list of words from a dictionary to try and guess the password</a:t>
+            </a:r>
+            <a:endParaRPr lang="en-US" sz="2800" b="0">
+              <a:latin typeface="Calibri" charset="0"/>
+              <a:cs typeface="SimSun" charset="0"/>
+            </a:endParaRPr>
           </a:p>
         </p:txBody>
       </p:sp>
@@ -4706,16 +4791,16 @@
           </a:bodyPr>
           <a:p>
             <a:r>
-              <a:rPr lang="" altLang="en-US" sz="8000">
+              <a:rPr lang="en-US" altLang="en-US" sz="8000">
                 <a:solidFill>
                   <a:srgbClr val="C6790C"/>
                 </a:solidFill>
                 <a:latin typeface="Uroob" panose="00000800000000000000" charset="0"/>
                 <a:cs typeface="Uroob" panose="00000800000000000000" charset="0"/>
               </a:rPr>
-              <a:t>              DNS</a:t>
-            </a:r>
-            <a:endParaRPr lang="" altLang="en-US" sz="8000">
+              <a:t>Hybrid Dictionary Attack</a:t>
+            </a:r>
+            <a:endParaRPr lang="en-US" altLang="en-US" sz="8000">
               <a:solidFill>
                 <a:srgbClr val="C6790C"/>
               </a:solidFill>
@@ -4727,7 +4812,7 @@
       </p:sp>
       <p:pic>
         <p:nvPicPr>
-          <p:cNvPr id="3" name="Picture 1" descr="IMG_256"/>
+          <p:cNvPr id="2" name="Picture 9" descr="IMG_256"/>
           <p:cNvPicPr>
             <a:picLocks noChangeAspect="1"/>
           </p:cNvPicPr>
@@ -4756,8 +4841,8 @@
         </p:blipFill>
         <p:spPr>
           <a:xfrm>
-            <a:off x="4137660" y="2600960"/>
-            <a:ext cx="7996555" cy="2465705"/>
+            <a:off x="108585" y="1605915"/>
+            <a:ext cx="7811770" cy="2466975"/>
           </a:xfrm>
           <a:prstGeom prst="rect">
             <a:avLst/>
@@ -4776,8 +4861,8 @@
         </p:nvSpPr>
         <p:spPr>
           <a:xfrm>
-            <a:off x="276860" y="1984375"/>
-            <a:ext cx="3736975" cy="2676525"/>
+            <a:off x="6794500" y="4195445"/>
+            <a:ext cx="5080000" cy="1568450"/>
           </a:xfrm>
           <a:prstGeom prst="rect">
             <a:avLst/>
@@ -4788,19 +4873,19 @@
           </a:ln>
         </p:spPr>
         <p:txBody>
-          <a:bodyPr wrap="square">
+          <a:bodyPr>
             <a:spAutoFit/>
           </a:bodyPr>
           <a:p>
             <a:pPr marL="0" indent="0"/>
             <a:r>
-              <a:rPr lang="en-US" sz="2800" b="0">
+              <a:rPr lang="en-US" sz="3200" b="0">
                 <a:latin typeface="Calibri" charset="0"/>
                 <a:cs typeface="SimSun" charset="0"/>
               </a:rPr>
-              <a:t>keep your domain name profile a private one which should hide the  information from potential hackers</a:t>
-            </a:r>
-            <a:endParaRPr lang="en-US" sz="2800" b="0">
+              <a:t>a set of dictionary words combined with extensions</a:t>
+            </a:r>
+            <a:endParaRPr lang="en-US" sz="3200" b="0">
               <a:latin typeface="Calibri" charset="0"/>
               <a:cs typeface="SimSun" charset="0"/>
             </a:endParaRPr>
@@ -5085,16 +5170,6 @@
           </a:bodyPr>
           <a:p>
             <a:r>
-              <a:rPr lang="" altLang="en-US" sz="8000">
-                <a:solidFill>
-                  <a:srgbClr val="C6790C"/>
-                </a:solidFill>
-                <a:latin typeface="Uroob" panose="00000800000000000000" charset="0"/>
-                <a:cs typeface="Uroob" panose="00000800000000000000" charset="0"/>
-              </a:rPr>
-              <a:t>          </a:t>
-            </a:r>
-            <a:r>
               <a:rPr lang="en-US" altLang="en-US" sz="8000">
                 <a:solidFill>
                   <a:srgbClr val="C6790C"/>
@@ -5102,7 +5177,7 @@
                 <a:latin typeface="Uroob" panose="00000800000000000000" charset="0"/>
                 <a:cs typeface="Uroob" panose="00000800000000000000" charset="0"/>
               </a:rPr>
-              <a:t>Sniffing</a:t>
+              <a:t>Brute-Force Attack</a:t>
             </a:r>
             <a:endParaRPr lang="en-US" altLang="en-US" sz="8000">
               <a:solidFill>
@@ -5114,62 +5189,9 @@
           </a:p>
         </p:txBody>
       </p:sp>
-      <p:sp>
-        <p:nvSpPr>
-          <p:cNvPr id="100" name="Text Box 99"/>
-          <p:cNvSpPr txBox="1"/>
-          <p:nvPr/>
-        </p:nvSpPr>
-        <p:spPr>
-          <a:xfrm>
-            <a:off x="8083550" y="2344420"/>
-            <a:ext cx="5080000" cy="3538220"/>
-          </a:xfrm>
-          <a:prstGeom prst="rect">
-            <a:avLst/>
-          </a:prstGeom>
-          <a:noFill/>
-          <a:ln w="9525">
-            <a:noFill/>
-          </a:ln>
-        </p:spPr>
-        <p:txBody>
-          <a:bodyPr>
-            <a:spAutoFit/>
-          </a:bodyPr>
-          <a:p>
-            <a:pPr marL="0" indent="0"/>
-            <a:r>
-              <a:rPr lang="en-US" sz="3200" b="0">
-                <a:latin typeface="Calibri" charset="0"/>
-                <a:cs typeface="SimSun" charset="0"/>
-              </a:rPr>
-              <a:t> the process of monitoring and capturing all the packets passing through a given network using </a:t>
-            </a:r>
-            <a:endParaRPr lang="en-US" sz="3200" b="0">
-              <a:latin typeface="Calibri" charset="0"/>
-              <a:cs typeface="SimSun" charset="0"/>
-            </a:endParaRPr>
-          </a:p>
-          <a:p>
-            <a:pPr marL="0" indent="0"/>
-            <a:r>
-              <a:rPr lang="en-US" sz="3200" b="0">
-                <a:latin typeface="Calibri" charset="0"/>
-                <a:cs typeface="SimSun" charset="0"/>
-              </a:rPr>
-              <a:t>sniffing tools</a:t>
-            </a:r>
-            <a:endParaRPr lang="en-US" sz="3200" b="0">
-              <a:latin typeface="Calibri" charset="0"/>
-              <a:cs typeface="SimSun" charset="0"/>
-            </a:endParaRPr>
-          </a:p>
-        </p:txBody>
-      </p:sp>
       <p:pic>
         <p:nvPicPr>
-          <p:cNvPr id="4" name="Picture 3"/>
+          <p:cNvPr id="12" name="Picture 10" descr="IMG_256"/>
           <p:cNvPicPr>
             <a:picLocks noChangeAspect="1"/>
           </p:cNvPicPr>
@@ -5198,14 +5220,57 @@
         </p:blipFill>
         <p:spPr>
           <a:xfrm>
-            <a:off x="358140" y="2023745"/>
-            <a:ext cx="7725410" cy="3858895"/>
+            <a:off x="1175385" y="429895"/>
+            <a:ext cx="7620635" cy="4236085"/>
           </a:xfrm>
           <a:prstGeom prst="rect">
             <a:avLst/>
           </a:prstGeom>
+          <a:noFill/>
+          <a:ln w="9525">
+            <a:noFill/>
+          </a:ln>
         </p:spPr>
       </p:pic>
+      <p:sp>
+        <p:nvSpPr>
+          <p:cNvPr id="3" name="Text Box 2"/>
+          <p:cNvSpPr txBox="1"/>
+          <p:nvPr/>
+        </p:nvSpPr>
+        <p:spPr>
+          <a:xfrm>
+            <a:off x="3324225" y="3935095"/>
+            <a:ext cx="5080000" cy="1322070"/>
+          </a:xfrm>
+          <a:prstGeom prst="rect">
+            <a:avLst/>
+          </a:prstGeom>
+          <a:noFill/>
+          <a:ln w="9525">
+            <a:noFill/>
+          </a:ln>
+        </p:spPr>
+        <p:txBody>
+          <a:bodyPr>
+            <a:spAutoFit/>
+          </a:bodyPr>
+          <a:p>
+            <a:pPr marL="0" indent="0"/>
+            <a:r>
+              <a:rPr lang="en-US" sz="2000" b="0">
+                <a:latin typeface="Calibri" charset="0"/>
+                <a:cs typeface="SimSun" charset="0"/>
+              </a:rPr>
+              <a:t> the hacker uses all possible combinations of letters, numbers, special characters, and small and capital letters to break the password</a:t>
+            </a:r>
+            <a:endParaRPr lang="en-US" sz="2000" b="0">
+              <a:latin typeface="Calibri" charset="0"/>
+              <a:cs typeface="SimSun" charset="0"/>
+            </a:endParaRPr>
+          </a:p>
+        </p:txBody>
+      </p:sp>
     </p:spTree>
   </p:cSld>
   <p:clrMapOvr>
@@ -5491,27 +5556,7 @@
                 <a:latin typeface="Uroob" panose="00000800000000000000" charset="0"/>
                 <a:cs typeface="Uroob" panose="00000800000000000000" charset="0"/>
               </a:rPr>
-              <a:t>         </a:t>
-            </a:r>
-            <a:r>
-              <a:rPr lang="" altLang="en-US" sz="8000">
-                <a:solidFill>
-                  <a:srgbClr val="C6790C"/>
-                </a:solidFill>
-                <a:latin typeface="Uroob" panose="00000800000000000000" charset="0"/>
-                <a:cs typeface="Uroob" panose="00000800000000000000" charset="0"/>
-              </a:rPr>
-              <a:t>Active </a:t>
-            </a:r>
-            <a:r>
-              <a:rPr lang="en-US" altLang="en-US" sz="8000">
-                <a:solidFill>
-                  <a:srgbClr val="C6790C"/>
-                </a:solidFill>
-                <a:latin typeface="Uroob" panose="00000800000000000000" charset="0"/>
-                <a:cs typeface="Uroob" panose="00000800000000000000" charset="0"/>
-              </a:rPr>
-              <a:t>Sniffing</a:t>
+              <a:t>Rainbow Tables</a:t>
             </a:r>
             <a:endParaRPr lang="en-US" altLang="en-US" sz="8000">
               <a:solidFill>
@@ -5523,40 +5568,16 @@
           </a:p>
         </p:txBody>
       </p:sp>
-      <p:pic>
-        <p:nvPicPr>
-          <p:cNvPr id="8" name="Picture 3" descr="IMG_256"/>
-          <p:cNvPicPr>
-            <a:picLocks noChangeAspect="1"/>
-          </p:cNvPicPr>
+      <p:sp>
+        <p:nvSpPr>
+          <p:cNvPr id="3" name="Text Box 2"/>
+          <p:cNvSpPr txBox="1"/>
           <p:nvPr/>
-        </p:nvPicPr>
-        <p:blipFill>
-          <a:blip r:embed="rId4">
-            <a:clrChange>
-              <a:clrFrom>
-                <a:srgbClr val="FFFFFF">
-                  <a:alpha val="100000"/>
-                </a:srgbClr>
-              </a:clrFrom>
-              <a:clrTo>
-                <a:srgbClr val="FFFFFF">
-                  <a:alpha val="100000"/>
-                  <a:alpha val="0"/>
-                </a:srgbClr>
-              </a:clrTo>
-            </a:clrChange>
-            <a:lum bright="-6000"/>
-          </a:blip>
-          <a:srcRect l="5358" t="21513" r="5635" b="10064"/>
-          <a:stretch>
-            <a:fillRect/>
-          </a:stretch>
-        </p:blipFill>
-        <p:spPr>
-          <a:xfrm>
-            <a:off x="2753995" y="1767205"/>
-            <a:ext cx="7231380" cy="4294505"/>
+        </p:nvSpPr>
+        <p:spPr>
+          <a:xfrm>
+            <a:off x="1758950" y="3092450"/>
+            <a:ext cx="10194925" cy="1198880"/>
           </a:xfrm>
           <a:prstGeom prst="rect">
             <a:avLst/>
@@ -5566,7 +5587,26 @@
             <a:noFill/>
           </a:ln>
         </p:spPr>
-      </p:pic>
+        <p:txBody>
+          <a:bodyPr wrap="square">
+            <a:spAutoFit/>
+          </a:bodyPr>
+          <a:p>
+            <a:pPr marL="0" indent="0"/>
+            <a:r>
+              <a:rPr lang="en-US" sz="3600" b="0">
+                <a:latin typeface="Calibri" charset="0"/>
+                <a:cs typeface="SimSun" charset="0"/>
+              </a:rPr>
+              <a:t>A rainbow table contains a set of predefined passwords that are hashed</a:t>
+            </a:r>
+            <a:endParaRPr lang="en-US" sz="3600" b="0">
+              <a:latin typeface="Calibri" charset="0"/>
+              <a:cs typeface="SimSun" charset="0"/>
+            </a:endParaRPr>
+          </a:p>
+        </p:txBody>
+      </p:sp>
     </p:spTree>
   </p:cSld>
   <p:clrMapOvr>
@@ -5576,366 +5616,6 @@
 </file>
 
 <file path=ppt/slides/slide8.xml><?xml version="1.0" encoding="utf-8"?>
-<p:sld xmlns:a="http://schemas.openxmlformats.org/drawingml/2006/main" xmlns:r="http://schemas.openxmlformats.org/officeDocument/2006/relationships" xmlns:p="http://schemas.openxmlformats.org/presentationml/2006/main">
-  <p:cSld>
-    <p:bg>
-      <p:bgPr>
-        <a:gradFill>
-          <a:gsLst>
-            <a:gs pos="94000">
-              <a:srgbClr val="54782E">
-                <a:alpha val="100000"/>
-              </a:srgbClr>
-            </a:gs>
-            <a:gs pos="99000">
-              <a:srgbClr val="557A2F">
-                <a:alpha val="100000"/>
-              </a:srgbClr>
-            </a:gs>
-            <a:gs pos="99000">
-              <a:srgbClr val="577D30">
-                <a:alpha val="100000"/>
-              </a:srgbClr>
-            </a:gs>
-            <a:gs pos="98000">
-              <a:srgbClr val="5C8433">
-                <a:alpha val="100000"/>
-              </a:srgbClr>
-            </a:gs>
-            <a:gs pos="96000">
-              <a:srgbClr val="659138">
-                <a:alpha val="100000"/>
-              </a:srgbClr>
-            </a:gs>
-            <a:gs pos="92000">
-              <a:srgbClr val="78AC42">
-                <a:alpha val="100000"/>
-              </a:srgbClr>
-            </a:gs>
-            <a:gs pos="42000">
-              <a:schemeClr val="bg1"/>
-            </a:gs>
-            <a:gs pos="100000">
-              <a:srgbClr val="52762D"/>
-            </a:gs>
-          </a:gsLst>
-          <a:lin ang="2700000" scaled="0"/>
-        </a:gradFill>
-        <a:effectLst/>
-      </p:bgPr>
-    </p:bg>
-    <p:spTree>
-      <p:nvGrpSpPr>
-        <p:cNvPr id="1" name=""/>
-        <p:cNvGrpSpPr/>
-        <p:nvPr/>
-      </p:nvGrpSpPr>
-      <p:grpSpPr/>
-      <p:pic>
-        <p:nvPicPr>
-          <p:cNvPr id="5" name="Picture 4" descr="United TrusT Logo"/>
-          <p:cNvPicPr>
-            <a:picLocks noChangeAspect="1"/>
-          </p:cNvPicPr>
-          <p:nvPr/>
-        </p:nvPicPr>
-        <p:blipFill>
-          <a:blip r:embed="rId1"/>
-          <a:stretch>
-            <a:fillRect/>
-          </a:stretch>
-        </p:blipFill>
-        <p:spPr>
-          <a:xfrm>
-            <a:off x="108585" y="6128385"/>
-            <a:ext cx="1650365" cy="634365"/>
-          </a:xfrm>
-          <a:prstGeom prst="rect">
-            <a:avLst/>
-          </a:prstGeom>
-        </p:spPr>
-      </p:pic>
-      <p:pic>
-        <p:nvPicPr>
-          <p:cNvPr id="6" name="Picture 5" descr="bdedu_logo"/>
-          <p:cNvPicPr>
-            <a:picLocks noChangeAspect="1"/>
-          </p:cNvPicPr>
-          <p:nvPr/>
-        </p:nvPicPr>
-        <p:blipFill>
-          <a:blip r:embed="rId2"/>
-          <a:stretch>
-            <a:fillRect/>
-          </a:stretch>
-        </p:blipFill>
-        <p:spPr>
-          <a:xfrm>
-            <a:off x="9440545" y="6061710"/>
-            <a:ext cx="2693670" cy="701040"/>
-          </a:xfrm>
-          <a:prstGeom prst="rect">
-            <a:avLst/>
-          </a:prstGeom>
-        </p:spPr>
-      </p:pic>
-      <p:pic>
-        <p:nvPicPr>
-          <p:cNvPr id="9" name="Picture 8"/>
-          <p:cNvPicPr>
-            <a:picLocks noChangeAspect="1"/>
-          </p:cNvPicPr>
-          <p:nvPr/>
-        </p:nvPicPr>
-        <p:blipFill>
-          <a:blip r:embed="rId3">
-            <a:lum bright="24000"/>
-          </a:blip>
-          <a:stretch>
-            <a:fillRect/>
-          </a:stretch>
-        </p:blipFill>
-        <p:spPr>
-          <a:xfrm>
-            <a:off x="108585" y="-498475"/>
-            <a:ext cx="2097405" cy="2482850"/>
-          </a:xfrm>
-          <a:prstGeom prst="rect">
-            <a:avLst/>
-          </a:prstGeom>
-          <a:noFill/>
-          <a:ln>
-            <a:noFill/>
-          </a:ln>
-        </p:spPr>
-      </p:pic>
-      <p:sp>
-        <p:nvSpPr>
-          <p:cNvPr id="10" name="Freeform 9"/>
-          <p:cNvSpPr/>
-          <p:nvPr/>
-        </p:nvSpPr>
-        <p:spPr>
-          <a:xfrm>
-            <a:off x="2205990" y="283845"/>
-            <a:ext cx="9353550" cy="1162050"/>
-          </a:xfrm>
-          <a:custGeom>
-            <a:avLst/>
-            <a:gdLst>
-              <a:gd name="connsiteX0" fmla="*/ 0 w 14730"/>
-              <a:gd name="connsiteY0" fmla="*/ 0 h 1830"/>
-              <a:gd name="connsiteX1" fmla="*/ 13869 w 14730"/>
-              <a:gd name="connsiteY1" fmla="*/ 60 h 1830"/>
-              <a:gd name="connsiteX2" fmla="*/ 14730 w 14730"/>
-              <a:gd name="connsiteY2" fmla="*/ 1830 h 1830"/>
-              <a:gd name="connsiteX3" fmla="*/ 0 w 14730"/>
-              <a:gd name="connsiteY3" fmla="*/ 1830 h 1830"/>
-              <a:gd name="connsiteX4" fmla="*/ 0 w 14730"/>
-              <a:gd name="connsiteY4" fmla="*/ 0 h 1830"/>
-            </a:gdLst>
-            <a:ahLst/>
-            <a:cxnLst>
-              <a:cxn ang="0">
-                <a:pos x="connsiteX0" y="connsiteY0"/>
-              </a:cxn>
-              <a:cxn ang="0">
-                <a:pos x="connsiteX1" y="connsiteY1"/>
-              </a:cxn>
-              <a:cxn ang="0">
-                <a:pos x="connsiteX2" y="connsiteY2"/>
-              </a:cxn>
-              <a:cxn ang="0">
-                <a:pos x="connsiteX3" y="connsiteY3"/>
-              </a:cxn>
-              <a:cxn ang="0">
-                <a:pos x="connsiteX4" y="connsiteY4"/>
-              </a:cxn>
-            </a:cxnLst>
-            <a:rect l="l" t="t" r="r" b="b"/>
-            <a:pathLst>
-              <a:path w="14730" h="1830">
-                <a:moveTo>
-                  <a:pt x="0" y="0"/>
-                </a:moveTo>
-                <a:lnTo>
-                  <a:pt x="13869" y="60"/>
-                </a:lnTo>
-                <a:lnTo>
-                  <a:pt x="14730" y="1830"/>
-                </a:lnTo>
-                <a:lnTo>
-                  <a:pt x="0" y="1830"/>
-                </a:lnTo>
-                <a:lnTo>
-                  <a:pt x="0" y="0"/>
-                </a:lnTo>
-                <a:close/>
-              </a:path>
-            </a:pathLst>
-          </a:custGeom>
-          <a:gradFill>
-            <a:gsLst>
-              <a:gs pos="80000">
-                <a:srgbClr val="92D050"/>
-              </a:gs>
-              <a:gs pos="100000">
-                <a:schemeClr val="accent1">
-                  <a:lumMod val="30000"/>
-                  <a:lumOff val="70000"/>
-                </a:schemeClr>
-              </a:gs>
-            </a:gsLst>
-            <a:path path="rect">
-              <a:fillToRect l="50000" t="50000" r="50000" b="50000"/>
-            </a:path>
-            <a:tileRect/>
-          </a:gradFill>
-          <a:ln>
-            <a:solidFill>
-              <a:schemeClr val="bg1">
-                <a:alpha val="88000"/>
-              </a:schemeClr>
-            </a:solidFill>
-          </a:ln>
-        </p:spPr>
-        <p:style>
-          <a:lnRef idx="2">
-            <a:schemeClr val="accent1">
-              <a:shade val="50000"/>
-            </a:schemeClr>
-          </a:lnRef>
-          <a:fillRef idx="1">
-            <a:schemeClr val="accent1"/>
-          </a:fillRef>
-          <a:effectRef idx="0">
-            <a:schemeClr val="accent1"/>
-          </a:effectRef>
-          <a:fontRef idx="minor">
-            <a:schemeClr val="lt1"/>
-          </a:fontRef>
-        </p:style>
-        <p:txBody>
-          <a:bodyPr rtlCol="0" anchor="ctr"/>
-          <a:p>
-            <a:pPr algn="ctr"/>
-            <a:endParaRPr lang="en-US"/>
-          </a:p>
-        </p:txBody>
-      </p:sp>
-      <p:sp>
-        <p:nvSpPr>
-          <p:cNvPr id="11" name="Text Box 10"/>
-          <p:cNvSpPr txBox="1"/>
-          <p:nvPr/>
-        </p:nvSpPr>
-        <p:spPr>
-          <a:xfrm>
-            <a:off x="2205990" y="283845"/>
-            <a:ext cx="9508490" cy="1322070"/>
-          </a:xfrm>
-          <a:prstGeom prst="rect">
-            <a:avLst/>
-          </a:prstGeom>
-          <a:noFill/>
-        </p:spPr>
-        <p:txBody>
-          <a:bodyPr wrap="square" rtlCol="0">
-            <a:spAutoFit/>
-          </a:bodyPr>
-          <a:p>
-            <a:r>
-              <a:rPr lang="en-US" altLang="en-US" sz="8000">
-                <a:solidFill>
-                  <a:srgbClr val="C6790C"/>
-                </a:solidFill>
-                <a:latin typeface="Uroob" panose="00000800000000000000" charset="0"/>
-                <a:cs typeface="Uroob" panose="00000800000000000000" charset="0"/>
-              </a:rPr>
-              <a:t>       </a:t>
-            </a:r>
-            <a:r>
-              <a:rPr lang="" altLang="en-US" sz="8000">
-                <a:solidFill>
-                  <a:srgbClr val="C6790C"/>
-                </a:solidFill>
-                <a:latin typeface="Uroob" panose="00000800000000000000" charset="0"/>
-                <a:cs typeface="Uroob" panose="00000800000000000000" charset="0"/>
-              </a:rPr>
-              <a:t>Passive </a:t>
-            </a:r>
-            <a:r>
-              <a:rPr lang="en-US" altLang="en-US" sz="8000">
-                <a:solidFill>
-                  <a:srgbClr val="C6790C"/>
-                </a:solidFill>
-                <a:latin typeface="Uroob" panose="00000800000000000000" charset="0"/>
-                <a:cs typeface="Uroob" panose="00000800000000000000" charset="0"/>
-              </a:rPr>
-              <a:t>Sniffing</a:t>
-            </a:r>
-            <a:endParaRPr lang="en-US" altLang="en-US" sz="8000">
-              <a:solidFill>
-                <a:srgbClr val="C6790C"/>
-              </a:solidFill>
-              <a:latin typeface="Uroob" panose="00000800000000000000" charset="0"/>
-              <a:cs typeface="Uroob" panose="00000800000000000000" charset="0"/>
-            </a:endParaRPr>
-          </a:p>
-        </p:txBody>
-      </p:sp>
-      <p:pic>
-        <p:nvPicPr>
-          <p:cNvPr id="7" name="Picture 2" descr="IMG_256"/>
-          <p:cNvPicPr>
-            <a:picLocks noChangeAspect="1"/>
-          </p:cNvPicPr>
-          <p:nvPr/>
-        </p:nvPicPr>
-        <p:blipFill>
-          <a:blip r:embed="rId4">
-            <a:clrChange>
-              <a:clrFrom>
-                <a:srgbClr val="FFFFFF">
-                  <a:alpha val="100000"/>
-                </a:srgbClr>
-              </a:clrFrom>
-              <a:clrTo>
-                <a:srgbClr val="FFFFFF">
-                  <a:alpha val="100000"/>
-                  <a:alpha val="0"/>
-                </a:srgbClr>
-              </a:clrTo>
-            </a:clrChange>
-            <a:lum bright="-6000"/>
-          </a:blip>
-          <a:stretch>
-            <a:fillRect/>
-          </a:stretch>
-        </p:blipFill>
-        <p:spPr>
-          <a:xfrm>
-            <a:off x="2479040" y="1016000"/>
-            <a:ext cx="7233920" cy="5421630"/>
-          </a:xfrm>
-          <a:prstGeom prst="rect">
-            <a:avLst/>
-          </a:prstGeom>
-          <a:noFill/>
-          <a:ln w="9525">
-            <a:noFill/>
-          </a:ln>
-        </p:spPr>
-      </p:pic>
-    </p:spTree>
-  </p:cSld>
-  <p:clrMapOvr>
-    <a:masterClrMapping/>
-  </p:clrMapOvr>
-</p:sld>
-</file>
-
-<file path=ppt/slides/slide9.xml><?xml version="1.0" encoding="utf-8"?>
 <p:sld xmlns:a="http://schemas.openxmlformats.org/drawingml/2006/main" xmlns:r="http://schemas.openxmlformats.org/officeDocument/2006/relationships" xmlns:p="http://schemas.openxmlformats.org/presentationml/2006/main">
   <p:cSld>
     <p:bg>
